--- a/presentations/10_Principal_Componenet_Analysis(PCA).pptx
+++ b/presentations/10_Principal_Componenet_Analysis(PCA).pptx
@@ -748,7 +748,7 @@
           <a:p>
             <a:fld id="{6F77F576-AE14-466D-AA6B-335273622B21}" type="datetimeFigureOut">
               <a:rPr lang="en-US" smtClean="0"/>
-              <a:t>7/15/2019</a:t>
+              <a:t>11/17/2019</a:t>
             </a:fld>
             <a:endParaRPr lang="en-US"/>
           </a:p>
@@ -1147,7 +1147,7 @@
           <a:p>
             <a:fld id="{54AA066D-271F-4C1A-B89A-0705A7689EE9}" type="datetimeFigureOut">
               <a:rPr lang="en-US" smtClean="0"/>
-              <a:t>7/15/2019</a:t>
+              <a:t>11/17/2019</a:t>
             </a:fld>
             <a:endParaRPr lang="en-US"/>
           </a:p>
@@ -1317,7 +1317,7 @@
           <a:p>
             <a:fld id="{54AA066D-271F-4C1A-B89A-0705A7689EE9}" type="datetimeFigureOut">
               <a:rPr lang="en-US" smtClean="0"/>
-              <a:t>7/15/2019</a:t>
+              <a:t>11/17/2019</a:t>
             </a:fld>
             <a:endParaRPr lang="en-US"/>
           </a:p>
@@ -1497,7 +1497,7 @@
           <a:p>
             <a:fld id="{54AA066D-271F-4C1A-B89A-0705A7689EE9}" type="datetimeFigureOut">
               <a:rPr lang="en-US" smtClean="0"/>
-              <a:t>7/15/2019</a:t>
+              <a:t>11/17/2019</a:t>
             </a:fld>
             <a:endParaRPr lang="en-US"/>
           </a:p>
@@ -1667,7 +1667,7 @@
           <a:p>
             <a:fld id="{54AA066D-271F-4C1A-B89A-0705A7689EE9}" type="datetimeFigureOut">
               <a:rPr lang="en-US" smtClean="0"/>
-              <a:t>7/15/2019</a:t>
+              <a:t>11/17/2019</a:t>
             </a:fld>
             <a:endParaRPr lang="en-US"/>
           </a:p>
@@ -1913,7 +1913,7 @@
           <a:p>
             <a:fld id="{54AA066D-271F-4C1A-B89A-0705A7689EE9}" type="datetimeFigureOut">
               <a:rPr lang="en-US" smtClean="0"/>
-              <a:t>7/15/2019</a:t>
+              <a:t>11/17/2019</a:t>
             </a:fld>
             <a:endParaRPr lang="en-US"/>
           </a:p>
@@ -2145,7 +2145,7 @@
           <a:p>
             <a:fld id="{54AA066D-271F-4C1A-B89A-0705A7689EE9}" type="datetimeFigureOut">
               <a:rPr lang="en-US" smtClean="0"/>
-              <a:t>7/15/2019</a:t>
+              <a:t>11/17/2019</a:t>
             </a:fld>
             <a:endParaRPr lang="en-US"/>
           </a:p>
@@ -2512,7 +2512,7 @@
           <a:p>
             <a:fld id="{54AA066D-271F-4C1A-B89A-0705A7689EE9}" type="datetimeFigureOut">
               <a:rPr lang="en-US" smtClean="0"/>
-              <a:t>7/15/2019</a:t>
+              <a:t>11/17/2019</a:t>
             </a:fld>
             <a:endParaRPr lang="en-US"/>
           </a:p>
@@ -2630,7 +2630,7 @@
           <a:p>
             <a:fld id="{54AA066D-271F-4C1A-B89A-0705A7689EE9}" type="datetimeFigureOut">
               <a:rPr lang="en-US" smtClean="0"/>
-              <a:t>7/15/2019</a:t>
+              <a:t>11/17/2019</a:t>
             </a:fld>
             <a:endParaRPr lang="en-US"/>
           </a:p>
@@ -2725,7 +2725,7 @@
           <a:p>
             <a:fld id="{54AA066D-271F-4C1A-B89A-0705A7689EE9}" type="datetimeFigureOut">
               <a:rPr lang="en-US" smtClean="0"/>
-              <a:t>7/15/2019</a:t>
+              <a:t>11/17/2019</a:t>
             </a:fld>
             <a:endParaRPr lang="en-US"/>
           </a:p>
@@ -3002,7 +3002,7 @@
           <a:p>
             <a:fld id="{54AA066D-271F-4C1A-B89A-0705A7689EE9}" type="datetimeFigureOut">
               <a:rPr lang="en-US" smtClean="0"/>
-              <a:t>7/15/2019</a:t>
+              <a:t>11/17/2019</a:t>
             </a:fld>
             <a:endParaRPr lang="en-US"/>
           </a:p>
@@ -3255,7 +3255,7 @@
           <a:p>
             <a:fld id="{54AA066D-271F-4C1A-B89A-0705A7689EE9}" type="datetimeFigureOut">
               <a:rPr lang="en-US" smtClean="0"/>
-              <a:t>7/15/2019</a:t>
+              <a:t>11/17/2019</a:t>
             </a:fld>
             <a:endParaRPr lang="en-US"/>
           </a:p>
@@ -3468,7 +3468,7 @@
           <a:p>
             <a:fld id="{54AA066D-271F-4C1A-B89A-0705A7689EE9}" type="datetimeFigureOut">
               <a:rPr lang="en-US" smtClean="0"/>
-              <a:t>7/15/2019</a:t>
+              <a:t>11/17/2019</a:t>
             </a:fld>
             <a:endParaRPr lang="en-US"/>
           </a:p>
@@ -5684,7 +5684,7 @@
         </p:nvSpPr>
         <p:spPr bwMode="auto">
           <a:xfrm>
-            <a:off x="1629831" y="335785"/>
+            <a:off x="1395465" y="144210"/>
             <a:ext cx="8429625" cy="590931"/>
           </a:xfrm>
           <a:prstGeom prst="rect">
@@ -5737,7 +5737,51 @@
                 <a:ea typeface="Verdana" panose="020B0604030504040204" pitchFamily="34" charset="0"/>
                 <a:cs typeface="Arial" panose="020B0604020202020204" pitchFamily="34" charset="0"/>
               </a:rPr>
-              <a:t>LDA</a:t>
+              <a:t>LDA(</a:t>
+            </a:r>
+            <a:r>
+              <a:rPr lang="tr-TR" sz="3600" b="1" dirty="0" err="1">
+                <a:solidFill>
+                  <a:srgbClr val="CD1F26"/>
+                </a:solidFill>
+                <a:latin typeface="Arial" panose="020B0604020202020204" pitchFamily="34" charset="0"/>
+                <a:ea typeface="Verdana" panose="020B0604030504040204" pitchFamily="34" charset="0"/>
+                <a:cs typeface="Arial" panose="020B0604020202020204" pitchFamily="34" charset="0"/>
+              </a:rPr>
+              <a:t>Linear</a:t>
+            </a:r>
+            <a:r>
+              <a:rPr lang="tr-TR" sz="3600" b="1" dirty="0">
+                <a:solidFill>
+                  <a:srgbClr val="CD1F26"/>
+                </a:solidFill>
+                <a:latin typeface="Arial" panose="020B0604020202020204" pitchFamily="34" charset="0"/>
+                <a:ea typeface="Verdana" panose="020B0604030504040204" pitchFamily="34" charset="0"/>
+                <a:cs typeface="Arial" panose="020B0604020202020204" pitchFamily="34" charset="0"/>
+              </a:rPr>
+              <a:t> </a:t>
+            </a:r>
+            <a:r>
+              <a:rPr lang="tr-TR" sz="3600" b="1" dirty="0" err="1">
+                <a:solidFill>
+                  <a:srgbClr val="CD1F26"/>
+                </a:solidFill>
+                <a:latin typeface="Arial" panose="020B0604020202020204" pitchFamily="34" charset="0"/>
+                <a:ea typeface="Verdana" panose="020B0604030504040204" pitchFamily="34" charset="0"/>
+                <a:cs typeface="Arial" panose="020B0604020202020204" pitchFamily="34" charset="0"/>
+              </a:rPr>
+              <a:t>Discriminant</a:t>
+            </a:r>
+            <a:r>
+              <a:rPr lang="tr-TR" sz="3600" b="1" dirty="0">
+                <a:solidFill>
+                  <a:srgbClr val="CD1F26"/>
+                </a:solidFill>
+                <a:latin typeface="Arial" panose="020B0604020202020204" pitchFamily="34" charset="0"/>
+                <a:ea typeface="Verdana" panose="020B0604030504040204" pitchFamily="34" charset="0"/>
+                <a:cs typeface="Arial" panose="020B0604020202020204" pitchFamily="34" charset="0"/>
+              </a:rPr>
+              <a:t> Analysis)</a:t>
             </a:r>
           </a:p>
         </p:txBody>
